--- a/07News/06History/2017.pptx
+++ b/07News/06History/2017.pptx
@@ -237,7 +237,7 @@
           <a:p>
             <a:fld id="{E8CF71B8-DF2A-2E41-BE66-2E18A767DA8A}" type="datetimeFigureOut">
               <a:rPr lang="en-US" smtClean="0"/>
-              <a:t>1/27/25</a:t>
+              <a:t>2/2/25</a:t>
             </a:fld>
             <a:endParaRPr lang="en-US"/>
           </a:p>
@@ -414,7 +414,7 @@
           <a:p>
             <a:fld id="{0DD60A27-BF12-6744-9E93-932A0E34D8BB}" type="datetimeFigureOut">
               <a:rPr lang="en-US" smtClean="0"/>
-              <a:t>1/27/25</a:t>
+              <a:t>2/2/25</a:t>
             </a:fld>
             <a:endParaRPr lang="en-US"/>
           </a:p>
@@ -32793,6 +32793,84 @@
           </a:p>
         </p:txBody>
       </p:sp>
+      <p:sp>
+        <p:nvSpPr>
+          <p:cNvPr id="5" name="文本框 4">
+            <a:extLst>
+              <a:ext uri="{FF2B5EF4-FFF2-40B4-BE49-F238E27FC236}">
+                <a16:creationId xmlns:a16="http://schemas.microsoft.com/office/drawing/2014/main" id="{A3E7EB10-E921-4486-E330-42620AE64344}"/>
+              </a:ext>
+            </a:extLst>
+          </p:cNvPr>
+          <p:cNvSpPr txBox="1"/>
+          <p:nvPr/>
+        </p:nvSpPr>
+        <p:spPr>
+          <a:xfrm>
+            <a:off x="3030279" y="1627909"/>
+            <a:ext cx="8272130" cy="276999"/>
+          </a:xfrm>
+          <a:prstGeom prst="rect">
+            <a:avLst/>
+          </a:prstGeom>
+          <a:noFill/>
+        </p:spPr>
+        <p:txBody>
+          <a:bodyPr wrap="square">
+            <a:spAutoFit/>
+          </a:bodyPr>
+          <a:lstStyle/>
+          <a:p>
+            <a:r>
+              <a:rPr lang="zh-CN" altLang="en-US" sz="1200" dirty="0">
+                <a:solidFill>
+                  <a:srgbClr val="0432FF"/>
+                </a:solidFill>
+              </a:rPr>
+              <a:t>https://www.youtube.com/watch?v=yjprpOoH5c8&amp;t=81s&amp;pp=ygUKVGVuc29yRmxvdw%3D%3D</a:t>
+            </a:r>
+          </a:p>
+        </p:txBody>
+      </p:sp>
+      <p:sp>
+        <p:nvSpPr>
+          <p:cNvPr id="7" name="文本框 6">
+            <a:extLst>
+              <a:ext uri="{FF2B5EF4-FFF2-40B4-BE49-F238E27FC236}">
+                <a16:creationId xmlns:a16="http://schemas.microsoft.com/office/drawing/2014/main" id="{98F782DD-360E-0DF9-E7A2-B75F3DFF0A48}"/>
+              </a:ext>
+            </a:extLst>
+          </p:cNvPr>
+          <p:cNvSpPr txBox="1"/>
+          <p:nvPr/>
+        </p:nvSpPr>
+        <p:spPr>
+          <a:xfrm>
+            <a:off x="2955851" y="2921566"/>
+            <a:ext cx="8272130" cy="276999"/>
+          </a:xfrm>
+          <a:prstGeom prst="rect">
+            <a:avLst/>
+          </a:prstGeom>
+          <a:noFill/>
+        </p:spPr>
+        <p:txBody>
+          <a:bodyPr wrap="square">
+            <a:spAutoFit/>
+          </a:bodyPr>
+          <a:lstStyle/>
+          <a:p>
+            <a:r>
+              <a:rPr lang="zh-CN" altLang="en-US" sz="1200" dirty="0">
+                <a:solidFill>
+                  <a:srgbClr val="0432FF"/>
+                </a:solidFill>
+              </a:rPr>
+              <a:t>https://www.youtube.com/watch?v=ay_pTOUcdcE&amp;pp=ygUFTVhOZXQ%3D</a:t>
+            </a:r>
+          </a:p>
+        </p:txBody>
+      </p:sp>
     </p:spTree>
     <p:extLst>
       <p:ext uri="{BB962C8B-B14F-4D97-AF65-F5344CB8AC3E}">
@@ -33252,6 +33330,123 @@
           </a:p>
         </p:txBody>
       </p:sp>
+      <p:sp>
+        <p:nvSpPr>
+          <p:cNvPr id="5" name="文本框 4">
+            <a:extLst>
+              <a:ext uri="{FF2B5EF4-FFF2-40B4-BE49-F238E27FC236}">
+                <a16:creationId xmlns:a16="http://schemas.microsoft.com/office/drawing/2014/main" id="{17C2B5FA-0AE7-4BCD-3C2B-780F58915B55}"/>
+              </a:ext>
+            </a:extLst>
+          </p:cNvPr>
+          <p:cNvSpPr txBox="1"/>
+          <p:nvPr/>
+        </p:nvSpPr>
+        <p:spPr>
+          <a:xfrm>
+            <a:off x="2296632" y="2680533"/>
+            <a:ext cx="8272130" cy="276999"/>
+          </a:xfrm>
+          <a:prstGeom prst="rect">
+            <a:avLst/>
+          </a:prstGeom>
+          <a:noFill/>
+        </p:spPr>
+        <p:txBody>
+          <a:bodyPr wrap="square">
+            <a:spAutoFit/>
+          </a:bodyPr>
+          <a:lstStyle/>
+          <a:p>
+            <a:r>
+              <a:rPr lang="zh-CN" altLang="en-US" sz="1200" dirty="0">
+                <a:solidFill>
+                  <a:srgbClr val="0432FF"/>
+                </a:solidFill>
+              </a:rPr>
+              <a:t>https://www.youtube.com/watch?v=Ngk8D7f84oE&amp;pp=ygUKZ29vZ2xlIFRQVQ%3D%3D</a:t>
+            </a:r>
+          </a:p>
+        </p:txBody>
+      </p:sp>
+      <p:sp>
+        <p:nvSpPr>
+          <p:cNvPr id="7" name="文本框 6">
+            <a:extLst>
+              <a:ext uri="{FF2B5EF4-FFF2-40B4-BE49-F238E27FC236}">
+                <a16:creationId xmlns:a16="http://schemas.microsoft.com/office/drawing/2014/main" id="{23933041-57C6-E58E-3253-999604070657}"/>
+              </a:ext>
+            </a:extLst>
+          </p:cNvPr>
+          <p:cNvSpPr txBox="1"/>
+          <p:nvPr/>
+        </p:nvSpPr>
+        <p:spPr>
+          <a:xfrm>
+            <a:off x="2519916" y="3900469"/>
+            <a:ext cx="8272130" cy="276999"/>
+          </a:xfrm>
+          <a:prstGeom prst="rect">
+            <a:avLst/>
+          </a:prstGeom>
+          <a:noFill/>
+        </p:spPr>
+        <p:txBody>
+          <a:bodyPr wrap="square">
+            <a:spAutoFit/>
+          </a:bodyPr>
+          <a:lstStyle/>
+          <a:p>
+            <a:r>
+              <a:rPr lang="zh-CN" altLang="en-US" sz="1200" dirty="0">
+                <a:solidFill>
+                  <a:srgbClr val="0432FF"/>
+                </a:solidFill>
+              </a:rPr>
+              <a:t>https://www.youtube.com/watch?v=U-pWftq-5qU&amp;pp=ygURaHVhd2llIOm6kum6nyA5NzA%3D</a:t>
+            </a:r>
+          </a:p>
+        </p:txBody>
+      </p:sp>
+      <p:sp>
+        <p:nvSpPr>
+          <p:cNvPr id="9" name="文本框 8">
+            <a:extLst>
+              <a:ext uri="{FF2B5EF4-FFF2-40B4-BE49-F238E27FC236}">
+                <a16:creationId xmlns:a16="http://schemas.microsoft.com/office/drawing/2014/main" id="{48493174-AD7D-7B47-F65F-7A0CFFA48F5D}"/>
+              </a:ext>
+            </a:extLst>
+          </p:cNvPr>
+          <p:cNvSpPr txBox="1"/>
+          <p:nvPr/>
+        </p:nvSpPr>
+        <p:spPr>
+          <a:xfrm>
+            <a:off x="3434316" y="4469684"/>
+            <a:ext cx="8272130" cy="276999"/>
+          </a:xfrm>
+          <a:prstGeom prst="rect">
+            <a:avLst/>
+          </a:prstGeom>
+          <a:noFill/>
+        </p:spPr>
+        <p:txBody>
+          <a:bodyPr wrap="square">
+            <a:spAutoFit/>
+          </a:bodyPr>
+          <a:lstStyle/>
+          <a:p>
+            <a:r>
+              <a:rPr lang="zh-CN" altLang="en-US" sz="1200" dirty="0">
+                <a:solidFill>
+                  <a:srgbClr val="0432FF"/>
+                </a:solidFill>
+              </a:rPr>
+              <a:t>https://www.youtube.com/watch?v=3aAEKRDhrj8&amp;pp=ygUOVGVzbGEgVjEwMCBHUFU%3D</a:t>
+            </a:r>
+          </a:p>
+        </p:txBody>
+      </p:sp>
     </p:spTree>
     <p:extLst>
       <p:ext uri="{BB962C8B-B14F-4D97-AF65-F5344CB8AC3E}">
@@ -33479,6 +33674,84 @@
           </a:p>
           <a:p>
             <a:endParaRPr lang="zh-CN" altLang="en-US" dirty="0"/>
+          </a:p>
+        </p:txBody>
+      </p:sp>
+      <p:sp>
+        <p:nvSpPr>
+          <p:cNvPr id="5" name="文本框 4">
+            <a:extLst>
+              <a:ext uri="{FF2B5EF4-FFF2-40B4-BE49-F238E27FC236}">
+                <a16:creationId xmlns:a16="http://schemas.microsoft.com/office/drawing/2014/main" id="{A7F15871-529A-E96D-FE11-18B294C30F8B}"/>
+              </a:ext>
+            </a:extLst>
+          </p:cNvPr>
+          <p:cNvSpPr txBox="1"/>
+          <p:nvPr/>
+        </p:nvSpPr>
+        <p:spPr>
+          <a:xfrm>
+            <a:off x="2870790" y="1111979"/>
+            <a:ext cx="8272130" cy="276999"/>
+          </a:xfrm>
+          <a:prstGeom prst="rect">
+            <a:avLst/>
+          </a:prstGeom>
+          <a:noFill/>
+        </p:spPr>
+        <p:txBody>
+          <a:bodyPr wrap="square">
+            <a:spAutoFit/>
+          </a:bodyPr>
+          <a:lstStyle/>
+          <a:p>
+            <a:r>
+              <a:rPr lang="zh-CN" altLang="en-US" sz="1200" dirty="0">
+                <a:solidFill>
+                  <a:srgbClr val="0432FF"/>
+                </a:solidFill>
+              </a:rPr>
+              <a:t>https://www.youtube.com/watch?v=zEzm-rMwyVo&amp;t=3s&amp;pp=ygULTmVydmFuYSBOTlA%3D</a:t>
+            </a:r>
+          </a:p>
+        </p:txBody>
+      </p:sp>
+      <p:sp>
+        <p:nvSpPr>
+          <p:cNvPr id="7" name="文本框 6">
+            <a:extLst>
+              <a:ext uri="{FF2B5EF4-FFF2-40B4-BE49-F238E27FC236}">
+                <a16:creationId xmlns:a16="http://schemas.microsoft.com/office/drawing/2014/main" id="{4A02B905-ED1A-6582-D27C-66E0A9AAA9C4}"/>
+              </a:ext>
+            </a:extLst>
+          </p:cNvPr>
+          <p:cNvSpPr txBox="1"/>
+          <p:nvPr/>
+        </p:nvSpPr>
+        <p:spPr>
+          <a:xfrm>
+            <a:off x="2137143" y="3116684"/>
+            <a:ext cx="8272130" cy="276999"/>
+          </a:xfrm>
+          <a:prstGeom prst="rect">
+            <a:avLst/>
+          </a:prstGeom>
+          <a:noFill/>
+        </p:spPr>
+        <p:txBody>
+          <a:bodyPr wrap="square">
+            <a:spAutoFit/>
+          </a:bodyPr>
+          <a:lstStyle/>
+          <a:p>
+            <a:r>
+              <a:rPr lang="zh-CN" altLang="en-US" sz="1200" dirty="0">
+                <a:solidFill>
+                  <a:srgbClr val="0432FF"/>
+                </a:solidFill>
+              </a:rPr>
+              <a:t>https://www.youtube.com/watch?v=pIsjVaqdNpc&amp;pp=ygUMSG9sb0xlbnMgQVIg</a:t>
+            </a:r>
           </a:p>
         </p:txBody>
       </p:sp>
@@ -34005,6 +34278,162 @@
           </a:p>
         </p:txBody>
       </p:sp>
+      <p:sp>
+        <p:nvSpPr>
+          <p:cNvPr id="3" name="文本框 2">
+            <a:extLst>
+              <a:ext uri="{FF2B5EF4-FFF2-40B4-BE49-F238E27FC236}">
+                <a16:creationId xmlns:a16="http://schemas.microsoft.com/office/drawing/2014/main" id="{F467C101-9E53-1546-1562-22B85C07E731}"/>
+              </a:ext>
+            </a:extLst>
+          </p:cNvPr>
+          <p:cNvSpPr txBox="1"/>
+          <p:nvPr/>
+        </p:nvSpPr>
+        <p:spPr>
+          <a:xfrm>
+            <a:off x="3300998" y="1111979"/>
+            <a:ext cx="8272130" cy="276999"/>
+          </a:xfrm>
+          <a:prstGeom prst="rect">
+            <a:avLst/>
+          </a:prstGeom>
+          <a:noFill/>
+        </p:spPr>
+        <p:txBody>
+          <a:bodyPr wrap="square">
+            <a:spAutoFit/>
+          </a:bodyPr>
+          <a:lstStyle/>
+          <a:p>
+            <a:r>
+              <a:rPr lang="zh-CN" altLang="en-US" sz="1200" dirty="0">
+                <a:solidFill>
+                  <a:srgbClr val="0432FF"/>
+                </a:solidFill>
+              </a:rPr>
+              <a:t>https://www.youtube.com/watch?v=jaKtcmYJS6A&amp;pp=ygUJ6L6-5pGp6Zmi</a:t>
+            </a:r>
+          </a:p>
+        </p:txBody>
+      </p:sp>
+      <p:sp>
+        <p:nvSpPr>
+          <p:cNvPr id="7" name="文本框 6">
+            <a:extLst>
+              <a:ext uri="{FF2B5EF4-FFF2-40B4-BE49-F238E27FC236}">
+                <a16:creationId xmlns:a16="http://schemas.microsoft.com/office/drawing/2014/main" id="{D23528A1-7531-90A3-FA26-48D45A7981EA}"/>
+              </a:ext>
+            </a:extLst>
+          </p:cNvPr>
+          <p:cNvSpPr txBox="1"/>
+          <p:nvPr/>
+        </p:nvSpPr>
+        <p:spPr>
+          <a:xfrm>
+            <a:off x="2753832" y="3662494"/>
+            <a:ext cx="8272130" cy="276999"/>
+          </a:xfrm>
+          <a:prstGeom prst="rect">
+            <a:avLst/>
+          </a:prstGeom>
+          <a:noFill/>
+        </p:spPr>
+        <p:txBody>
+          <a:bodyPr wrap="square">
+            <a:spAutoFit/>
+          </a:bodyPr>
+          <a:lstStyle/>
+          <a:p>
+            <a:r>
+              <a:rPr lang="zh-CN" altLang="en-US" sz="1200" dirty="0">
+                <a:solidFill>
+                  <a:srgbClr val="0432FF"/>
+                </a:solidFill>
+              </a:rPr>
+              <a:t>https://www.youtube.com/watch?v=T90_MBk5Aso&amp;pp=ygUPdGVuY2VudCBBSSBMYWIg</a:t>
+            </a:r>
+          </a:p>
+        </p:txBody>
+      </p:sp>
+      <p:sp>
+        <p:nvSpPr>
+          <p:cNvPr id="9" name="文本框 8">
+            <a:extLst>
+              <a:ext uri="{FF2B5EF4-FFF2-40B4-BE49-F238E27FC236}">
+                <a16:creationId xmlns:a16="http://schemas.microsoft.com/office/drawing/2014/main" id="{551AC3CC-1DD6-5602-10F2-9F6697CBEC17}"/>
+              </a:ext>
+            </a:extLst>
+          </p:cNvPr>
+          <p:cNvSpPr txBox="1"/>
+          <p:nvPr/>
+        </p:nvSpPr>
+        <p:spPr>
+          <a:xfrm>
+            <a:off x="3314978" y="4731788"/>
+            <a:ext cx="8272130" cy="276999"/>
+          </a:xfrm>
+          <a:prstGeom prst="rect">
+            <a:avLst/>
+          </a:prstGeom>
+          <a:noFill/>
+        </p:spPr>
+        <p:txBody>
+          <a:bodyPr wrap="square">
+            <a:spAutoFit/>
+          </a:bodyPr>
+          <a:lstStyle/>
+          <a:p>
+            <a:r>
+              <a:rPr lang="zh-CN" altLang="en-US" sz="1200" dirty="0">
+                <a:solidFill>
+                  <a:srgbClr val="0432FF"/>
+                </a:solidFill>
+              </a:rPr>
+              <a:t>https://www.youtube.com/watch?v=FgZ-8NFSysA&amp;pp=ygUOZ29vZ2xlIEFJIExhYiA%3D</a:t>
+            </a:r>
+          </a:p>
+        </p:txBody>
+      </p:sp>
+      <p:sp>
+        <p:nvSpPr>
+          <p:cNvPr id="11" name="文本框 10">
+            <a:extLst>
+              <a:ext uri="{FF2B5EF4-FFF2-40B4-BE49-F238E27FC236}">
+                <a16:creationId xmlns:a16="http://schemas.microsoft.com/office/drawing/2014/main" id="{3BD7A0E1-3F69-AEB2-9F5D-9D9AB600B4EB}"/>
+              </a:ext>
+            </a:extLst>
+          </p:cNvPr>
+          <p:cNvSpPr txBox="1"/>
+          <p:nvPr/>
+        </p:nvSpPr>
+        <p:spPr>
+          <a:xfrm>
+            <a:off x="3364793" y="4177790"/>
+            <a:ext cx="8272130" cy="276999"/>
+          </a:xfrm>
+          <a:prstGeom prst="rect">
+            <a:avLst/>
+          </a:prstGeom>
+          <a:noFill/>
+        </p:spPr>
+        <p:txBody>
+          <a:bodyPr wrap="square">
+            <a:spAutoFit/>
+          </a:bodyPr>
+          <a:lstStyle/>
+          <a:p>
+            <a:r>
+              <a:rPr lang="zh-CN" altLang="en-US" sz="1200" dirty="0">
+                <a:solidFill>
+                  <a:srgbClr val="0432FF"/>
+                </a:solidFill>
+              </a:rPr>
+              <a:t>https://www.youtube.com/watch?v=fLsvZ5x2hQM&amp;pp=ygURbWljcm9zb2Z0IEFJIExhYiA%3D</a:t>
+            </a:r>
+          </a:p>
+        </p:txBody>
+      </p:sp>
     </p:spTree>
     <p:extLst>
       <p:ext uri="{BB962C8B-B14F-4D97-AF65-F5344CB8AC3E}">
@@ -34195,6 +34624,45 @@
           </a:p>
           <a:p>
             <a:endParaRPr lang="zh-CN" altLang="en-US" dirty="0"/>
+          </a:p>
+        </p:txBody>
+      </p:sp>
+      <p:sp>
+        <p:nvSpPr>
+          <p:cNvPr id="3" name="文本框 2">
+            <a:extLst>
+              <a:ext uri="{FF2B5EF4-FFF2-40B4-BE49-F238E27FC236}">
+                <a16:creationId xmlns:a16="http://schemas.microsoft.com/office/drawing/2014/main" id="{D0D5B716-8FB0-81A6-0E97-F853494304B5}"/>
+              </a:ext>
+            </a:extLst>
+          </p:cNvPr>
+          <p:cNvSpPr txBox="1"/>
+          <p:nvPr/>
+        </p:nvSpPr>
+        <p:spPr>
+          <a:xfrm>
+            <a:off x="1969306" y="1262858"/>
+            <a:ext cx="8272130" cy="461665"/>
+          </a:xfrm>
+          <a:prstGeom prst="rect">
+            <a:avLst/>
+          </a:prstGeom>
+          <a:noFill/>
+        </p:spPr>
+        <p:txBody>
+          <a:bodyPr wrap="square">
+            <a:spAutoFit/>
+          </a:bodyPr>
+          <a:lstStyle/>
+          <a:p>
+            <a:r>
+              <a:rPr lang="zh-CN" altLang="en-US" sz="1200" dirty="0">
+                <a:solidFill>
+                  <a:srgbClr val="0432FF"/>
+                </a:solidFill>
+              </a:rPr>
+              <a:t>https://www.youtube.com/watch?v=GlQGB_VsMvg&amp;pp=ygVIUmVwb3J0IG9uIHRoZSBEZXZlbG9wbWVudCBQbGFuIG9mIE5ldyBHZW5lcmF0aW9uIEFydGlmaWNpYWwgSW50ZWxsaWdlbmNl</a:t>
+            </a:r>
           </a:p>
         </p:txBody>
       </p:sp>
@@ -34914,6 +35382,45 @@
           </a:p>
         </p:txBody>
       </p:sp>
+      <p:sp>
+        <p:nvSpPr>
+          <p:cNvPr id="3" name="文本框 2">
+            <a:extLst>
+              <a:ext uri="{FF2B5EF4-FFF2-40B4-BE49-F238E27FC236}">
+                <a16:creationId xmlns:a16="http://schemas.microsoft.com/office/drawing/2014/main" id="{9BB93548-E251-2CB6-85C7-DB4A5877A76A}"/>
+              </a:ext>
+            </a:extLst>
+          </p:cNvPr>
+          <p:cNvSpPr txBox="1"/>
+          <p:nvPr/>
+        </p:nvSpPr>
+        <p:spPr>
+          <a:xfrm>
+            <a:off x="1871330" y="1447156"/>
+            <a:ext cx="8272130" cy="276999"/>
+          </a:xfrm>
+          <a:prstGeom prst="rect">
+            <a:avLst/>
+          </a:prstGeom>
+          <a:noFill/>
+        </p:spPr>
+        <p:txBody>
+          <a:bodyPr wrap="square">
+            <a:spAutoFit/>
+          </a:bodyPr>
+          <a:lstStyle/>
+          <a:p>
+            <a:r>
+              <a:rPr lang="zh-CN" altLang="en-US" sz="1200" dirty="0">
+                <a:solidFill>
+                  <a:srgbClr val="0432FF"/>
+                </a:solidFill>
+              </a:rPr>
+              <a:t>https://www.youtube.com/watch?v=WXuK6gekU1Y&amp;t=3s&amp;pp=ygUPQWxwaGFHbyBNYXN0ZXIg</a:t>
+            </a:r>
+          </a:p>
+        </p:txBody>
+      </p:sp>
     </p:spTree>
     <p:extLst>
       <p:ext uri="{BB962C8B-B14F-4D97-AF65-F5344CB8AC3E}">
@@ -35199,6 +35706,84 @@
           </a:p>
           <a:p>
             <a:endParaRPr lang="zh-CN" altLang="en-US" dirty="0"/>
+          </a:p>
+        </p:txBody>
+      </p:sp>
+      <p:sp>
+        <p:nvSpPr>
+          <p:cNvPr id="3" name="文本框 2">
+            <a:extLst>
+              <a:ext uri="{FF2B5EF4-FFF2-40B4-BE49-F238E27FC236}">
+                <a16:creationId xmlns:a16="http://schemas.microsoft.com/office/drawing/2014/main" id="{639169B0-4B5A-2CD1-06E2-9A5001BC76D0}"/>
+              </a:ext>
+            </a:extLst>
+          </p:cNvPr>
+          <p:cNvSpPr txBox="1"/>
+          <p:nvPr/>
+        </p:nvSpPr>
+        <p:spPr>
+          <a:xfrm>
+            <a:off x="3551274" y="1372728"/>
+            <a:ext cx="8272130" cy="276999"/>
+          </a:xfrm>
+          <a:prstGeom prst="rect">
+            <a:avLst/>
+          </a:prstGeom>
+          <a:noFill/>
+        </p:spPr>
+        <p:txBody>
+          <a:bodyPr wrap="square">
+            <a:spAutoFit/>
+          </a:bodyPr>
+          <a:lstStyle/>
+          <a:p>
+            <a:r>
+              <a:rPr lang="zh-CN" altLang="en-US" sz="1200" dirty="0">
+                <a:solidFill>
+                  <a:srgbClr val="0432FF"/>
+                </a:solidFill>
+              </a:rPr>
+              <a:t>https://www.youtube.com/watch?v=byqn-p_vokE&amp;pp=ygUOSElUVE9OIENhcHN1bGU%3D</a:t>
+            </a:r>
+          </a:p>
+        </p:txBody>
+      </p:sp>
+      <p:sp>
+        <p:nvSpPr>
+          <p:cNvPr id="7" name="文本框 6">
+            <a:extLst>
+              <a:ext uri="{FF2B5EF4-FFF2-40B4-BE49-F238E27FC236}">
+                <a16:creationId xmlns:a16="http://schemas.microsoft.com/office/drawing/2014/main" id="{C3046043-A6C4-D5BE-8B3F-C0D1C9557001}"/>
+              </a:ext>
+            </a:extLst>
+          </p:cNvPr>
+          <p:cNvSpPr txBox="1"/>
+          <p:nvPr/>
+        </p:nvSpPr>
+        <p:spPr>
+          <a:xfrm>
+            <a:off x="3551274" y="3725404"/>
+            <a:ext cx="8272130" cy="276999"/>
+          </a:xfrm>
+          <a:prstGeom prst="rect">
+            <a:avLst/>
+          </a:prstGeom>
+          <a:noFill/>
+        </p:spPr>
+        <p:txBody>
+          <a:bodyPr wrap="square">
+            <a:spAutoFit/>
+          </a:bodyPr>
+          <a:lstStyle/>
+          <a:p>
+            <a:r>
+              <a:rPr lang="zh-CN" altLang="en-US" sz="1200" dirty="0">
+                <a:solidFill>
+                  <a:srgbClr val="0432FF"/>
+                </a:solidFill>
+              </a:rPr>
+              <a:t>https://www.youtube.com/watch?v=sFkdYSc2W5A&amp;pp=ygUEV0dBTg%3D%3D</a:t>
+            </a:r>
           </a:p>
         </p:txBody>
       </p:sp>
@@ -35414,6 +35999,45 @@
             <a:r>
               <a:rPr lang="zh-CN" altLang="en-US" dirty="0"/>
               <a:t>领域的一次重大突破，它不仅提高了模型的训练效率，还显著提升了模型在处理长距离依赖关系时的能力。</a:t>
+            </a:r>
+          </a:p>
+        </p:txBody>
+      </p:sp>
+      <p:sp>
+        <p:nvSpPr>
+          <p:cNvPr id="3" name="文本框 2">
+            <a:extLst>
+              <a:ext uri="{FF2B5EF4-FFF2-40B4-BE49-F238E27FC236}">
+                <a16:creationId xmlns:a16="http://schemas.microsoft.com/office/drawing/2014/main" id="{A85035E1-6E08-CAEF-2D41-2D0400ED6B00}"/>
+              </a:ext>
+            </a:extLst>
+          </p:cNvPr>
+          <p:cNvSpPr txBox="1"/>
+          <p:nvPr/>
+        </p:nvSpPr>
+        <p:spPr>
+          <a:xfrm>
+            <a:off x="3314978" y="1681073"/>
+            <a:ext cx="8272130" cy="276999"/>
+          </a:xfrm>
+          <a:prstGeom prst="rect">
+            <a:avLst/>
+          </a:prstGeom>
+          <a:noFill/>
+        </p:spPr>
+        <p:txBody>
+          <a:bodyPr wrap="square">
+            <a:spAutoFit/>
+          </a:bodyPr>
+          <a:lstStyle/>
+          <a:p>
+            <a:r>
+              <a:rPr lang="zh-CN" altLang="en-US" sz="1200" dirty="0">
+                <a:solidFill>
+                  <a:srgbClr val="0432FF"/>
+                </a:solidFill>
+              </a:rPr>
+              <a:t>https://www.youtube.com/watch?v=eMlx5fFNoYc&amp;pp=ygUZQXR0ZW50aW9uIElzIEFsbCBZb3UgTmVlZA%3D%3D</a:t>
             </a:r>
           </a:p>
         </p:txBody>
@@ -35757,6 +36381,84 @@
           </a:p>
         </p:txBody>
       </p:sp>
+      <p:sp>
+        <p:nvSpPr>
+          <p:cNvPr id="3" name="文本框 2">
+            <a:extLst>
+              <a:ext uri="{FF2B5EF4-FFF2-40B4-BE49-F238E27FC236}">
+                <a16:creationId xmlns:a16="http://schemas.microsoft.com/office/drawing/2014/main" id="{1E1DE821-D6A0-DA60-74ED-F2B668A07F62}"/>
+              </a:ext>
+            </a:extLst>
+          </p:cNvPr>
+          <p:cNvSpPr txBox="1"/>
+          <p:nvPr/>
+        </p:nvSpPr>
+        <p:spPr>
+          <a:xfrm>
+            <a:off x="2796362" y="1425891"/>
+            <a:ext cx="8272130" cy="276999"/>
+          </a:xfrm>
+          <a:prstGeom prst="rect">
+            <a:avLst/>
+          </a:prstGeom>
+          <a:noFill/>
+        </p:spPr>
+        <p:txBody>
+          <a:bodyPr wrap="square">
+            <a:spAutoFit/>
+          </a:bodyPr>
+          <a:lstStyle/>
+          <a:p>
+            <a:r>
+              <a:rPr lang="zh-CN" altLang="en-US" sz="1200" dirty="0">
+                <a:solidFill>
+                  <a:srgbClr val="0432FF"/>
+                </a:solidFill>
+              </a:rPr>
+              <a:t>https://www.youtube.com/watch?v=NG-LATBZNBs&amp;list=PLbcQZcJKzjYXcr4nOvkweWEi7ZCd1PmcI</a:t>
+            </a:r>
+          </a:p>
+        </p:txBody>
+      </p:sp>
+      <p:sp>
+        <p:nvSpPr>
+          <p:cNvPr id="7" name="文本框 6">
+            <a:extLst>
+              <a:ext uri="{FF2B5EF4-FFF2-40B4-BE49-F238E27FC236}">
+                <a16:creationId xmlns:a16="http://schemas.microsoft.com/office/drawing/2014/main" id="{8A777446-4D39-7761-5E94-7502D49DE573}"/>
+              </a:ext>
+            </a:extLst>
+          </p:cNvPr>
+          <p:cNvSpPr txBox="1"/>
+          <p:nvPr/>
+        </p:nvSpPr>
+        <p:spPr>
+          <a:xfrm>
+            <a:off x="3030279" y="3523995"/>
+            <a:ext cx="8272130" cy="276999"/>
+          </a:xfrm>
+          <a:prstGeom prst="rect">
+            <a:avLst/>
+          </a:prstGeom>
+          <a:noFill/>
+        </p:spPr>
+        <p:txBody>
+          <a:bodyPr wrap="square">
+            <a:spAutoFit/>
+          </a:bodyPr>
+          <a:lstStyle/>
+          <a:p>
+            <a:r>
+              <a:rPr lang="zh-CN" altLang="en-US" sz="1200" dirty="0">
+                <a:solidFill>
+                  <a:srgbClr val="0432FF"/>
+                </a:solidFill>
+              </a:rPr>
+              <a:t>https://www.youtube.com/watch?v=2rUdWwlO4HQ&amp;pp=ygUNU21hcnQgc3BlYWtlcg%3D%3D</a:t>
+            </a:r>
+          </a:p>
+        </p:txBody>
+      </p:sp>
     </p:spTree>
     <p:extLst>
       <p:ext uri="{BB962C8B-B14F-4D97-AF65-F5344CB8AC3E}">
@@ -36176,6 +36878,45 @@
               <a:t> 开发。</a:t>
             </a:r>
             <a:endParaRPr lang="en" altLang="zh-CN" dirty="0"/>
+          </a:p>
+        </p:txBody>
+      </p:sp>
+      <p:sp>
+        <p:nvSpPr>
+          <p:cNvPr id="5" name="文本框 4">
+            <a:extLst>
+              <a:ext uri="{FF2B5EF4-FFF2-40B4-BE49-F238E27FC236}">
+                <a16:creationId xmlns:a16="http://schemas.microsoft.com/office/drawing/2014/main" id="{21EA93D3-8541-539F-7E04-E73C19F5DF29}"/>
+              </a:ext>
+            </a:extLst>
+          </p:cNvPr>
+          <p:cNvSpPr txBox="1"/>
+          <p:nvPr/>
+        </p:nvSpPr>
+        <p:spPr>
+          <a:xfrm>
+            <a:off x="2636875" y="1372729"/>
+            <a:ext cx="8272130" cy="276999"/>
+          </a:xfrm>
+          <a:prstGeom prst="rect">
+            <a:avLst/>
+          </a:prstGeom>
+          <a:noFill/>
+        </p:spPr>
+        <p:txBody>
+          <a:bodyPr wrap="square">
+            <a:spAutoFit/>
+          </a:bodyPr>
+          <a:lstStyle/>
+          <a:p>
+            <a:r>
+              <a:rPr lang="zh-CN" altLang="en-US" sz="1200" dirty="0">
+                <a:solidFill>
+                  <a:srgbClr val="0432FF"/>
+                </a:solidFill>
+              </a:rPr>
+              <a:t>https://www.youtube.com/watch?v=ORMx45xqWkA&amp;pp=ygUHUHlUb3JjaA%3D%3D</a:t>
+            </a:r>
           </a:p>
         </p:txBody>
       </p:sp>
